--- a/Apresentaçao/Vitor/Integral Computacional.pptx
+++ b/Apresentaçao/Vitor/Integral Computacional.pptx
@@ -10,13 +10,8 @@
     <p:sldId id="257" r:id="rId4"/>
     <p:sldId id="258" r:id="rId5"/>
     <p:sldId id="259" r:id="rId6"/>
-    <p:sldId id="260" r:id="rId7"/>
-    <p:sldId id="261" r:id="rId8"/>
-    <p:sldId id="268" r:id="rId9"/>
-    <p:sldId id="269" r:id="rId10"/>
-    <p:sldId id="264" r:id="rId11"/>
-    <p:sldId id="270" r:id="rId12"/>
-    <p:sldId id="271" r:id="rId13"/>
+    <p:sldId id="261" r:id="rId7"/>
+    <p:sldId id="268" r:id="rId8"/>
   </p:sldIdLst>
   <p:sldSz cx="12192000" cy="6858000"/>
   <p:notesSz cx="6858000" cy="9144000"/>
@@ -115,6 +110,11 @@
       </a:defRPr>
     </a:lvl9pPr>
   </p:defaultTextStyle>
+  <p:extLst>
+    <p:ext uri="{EFAFB233-063F-42B5-8137-9DF3F51BA10A}">
+      <p15:sldGuideLst xmlns:p15="http://schemas.microsoft.com/office/powerpoint/2012/main"/>
+    </p:ext>
+  </p:extLst>
 </p:presentation>
 </file>
 
@@ -14966,258 +14966,6 @@
 </p:sld>
 </file>
 
-<file path=ppt/slides/slide10.xml><?xml version="1.0" encoding="utf-8"?>
-<p:sld xmlns:a="http://schemas.openxmlformats.org/drawingml/2006/main" xmlns:r="http://schemas.openxmlformats.org/officeDocument/2006/relationships" xmlns:p="http://schemas.openxmlformats.org/presentationml/2006/main">
-  <p:cSld>
-    <p:spTree>
-      <p:nvGrpSpPr>
-        <p:cNvPr id="1" name=""/>
-        <p:cNvGrpSpPr/>
-        <p:nvPr/>
-      </p:nvGrpSpPr>
-      <p:grpSpPr>
-        <a:xfrm>
-          <a:off x="0" y="0"/>
-          <a:ext cx="0" cy="0"/>
-          <a:chOff x="0" y="0"/>
-          <a:chExt cx="0" cy="0"/>
-        </a:xfrm>
-      </p:grpSpPr>
-      <p:sp>
-        <p:nvSpPr>
-          <p:cNvPr id="2" name="Title 1"/>
-          <p:cNvSpPr>
-            <a:spLocks noGrp="1"/>
-          </p:cNvSpPr>
-          <p:nvPr>
-            <p:ph type="title"/>
-          </p:nvPr>
-        </p:nvSpPr>
-        <p:spPr/>
-        <p:txBody>
-          <a:bodyPr/>
-          <a:lstStyle/>
-          <a:p>
-            <a:r>
-              <a:rPr lang="pt-BR" dirty="0" smtClean="0"/>
-              <a:t>Somatório por Predição</a:t>
-            </a:r>
-            <a:endParaRPr lang="pt-BR" dirty="0"/>
-          </a:p>
-        </p:txBody>
-      </p:sp>
-      <p:sp>
-        <p:nvSpPr>
-          <p:cNvPr id="3" name="Content Placeholder 2"/>
-          <p:cNvSpPr>
-            <a:spLocks noGrp="1"/>
-          </p:cNvSpPr>
-          <p:nvPr>
-            <p:ph idx="1"/>
-          </p:nvPr>
-        </p:nvSpPr>
-        <p:spPr/>
-        <p:txBody>
-          <a:bodyPr/>
-          <a:lstStyle/>
-          <a:p>
-            <a:r>
-              <a:rPr lang="pt-BR" dirty="0" smtClean="0"/>
-              <a:t>Como Funciona</a:t>
-            </a:r>
-          </a:p>
-          <a:p>
-            <a:endParaRPr lang="pt-BR" dirty="0"/>
-          </a:p>
-        </p:txBody>
-      </p:sp>
-    </p:spTree>
-    <p:extLst>
-      <p:ext uri="{BB962C8B-B14F-4D97-AF65-F5344CB8AC3E}">
-        <p14:creationId xmlns:p14="http://schemas.microsoft.com/office/powerpoint/2010/main" val="4003574537"/>
-      </p:ext>
-    </p:extLst>
-  </p:cSld>
-  <p:clrMapOvr>
-    <a:masterClrMapping/>
-  </p:clrMapOvr>
-  <p:timing>
-    <p:tnLst>
-      <p:par>
-        <p:cTn id="1" dur="indefinite" restart="never" nodeType="tmRoot"/>
-      </p:par>
-    </p:tnLst>
-  </p:timing>
-</p:sld>
-</file>
-
-<file path=ppt/slides/slide11.xml><?xml version="1.0" encoding="utf-8"?>
-<p:sld xmlns:a="http://schemas.openxmlformats.org/drawingml/2006/main" xmlns:r="http://schemas.openxmlformats.org/officeDocument/2006/relationships" xmlns:p="http://schemas.openxmlformats.org/presentationml/2006/main">
-  <p:cSld>
-    <p:spTree>
-      <p:nvGrpSpPr>
-        <p:cNvPr id="1" name=""/>
-        <p:cNvGrpSpPr/>
-        <p:nvPr/>
-      </p:nvGrpSpPr>
-      <p:grpSpPr>
-        <a:xfrm>
-          <a:off x="0" y="0"/>
-          <a:ext cx="0" cy="0"/>
-          <a:chOff x="0" y="0"/>
-          <a:chExt cx="0" cy="0"/>
-        </a:xfrm>
-      </p:grpSpPr>
-      <p:sp>
-        <p:nvSpPr>
-          <p:cNvPr id="3" name="Content Placeholder 2"/>
-          <p:cNvSpPr>
-            <a:spLocks noGrp="1"/>
-          </p:cNvSpPr>
-          <p:nvPr>
-            <p:ph idx="1"/>
-          </p:nvPr>
-        </p:nvSpPr>
-        <p:spPr>
-          <a:xfrm>
-            <a:off x="1149531" y="679270"/>
-            <a:ext cx="10411097" cy="5569130"/>
-          </a:xfrm>
-        </p:spPr>
-        <p:txBody>
-          <a:bodyPr>
-            <a:normAutofit/>
-          </a:bodyPr>
-          <a:lstStyle/>
-          <a:p>
-            <a:r>
-              <a:rPr lang="pt-BR" sz="3200" dirty="0" smtClean="0"/>
-              <a:t>Exemplo</a:t>
-            </a:r>
-            <a:endParaRPr lang="pt-BR" sz="3200" dirty="0"/>
-          </a:p>
-        </p:txBody>
-      </p:sp>
-    </p:spTree>
-    <p:extLst>
-      <p:ext uri="{BB962C8B-B14F-4D97-AF65-F5344CB8AC3E}">
-        <p14:creationId xmlns:p14="http://schemas.microsoft.com/office/powerpoint/2010/main" val="2248815910"/>
-      </p:ext>
-    </p:extLst>
-  </p:cSld>
-  <p:clrMapOvr>
-    <a:masterClrMapping/>
-  </p:clrMapOvr>
-  <p:timing>
-    <p:tnLst>
-      <p:par>
-        <p:cTn id="1" dur="indefinite" restart="never" nodeType="tmRoot"/>
-      </p:par>
-    </p:tnLst>
-  </p:timing>
-</p:sld>
-</file>
-
-<file path=ppt/slides/slide12.xml><?xml version="1.0" encoding="utf-8"?>
-<p:sld xmlns:a="http://schemas.openxmlformats.org/drawingml/2006/main" xmlns:r="http://schemas.openxmlformats.org/officeDocument/2006/relationships" xmlns:p="http://schemas.openxmlformats.org/presentationml/2006/main">
-  <p:cSld>
-    <p:spTree>
-      <p:nvGrpSpPr>
-        <p:cNvPr id="1" name=""/>
-        <p:cNvGrpSpPr/>
-        <p:nvPr/>
-      </p:nvGrpSpPr>
-      <p:grpSpPr>
-        <a:xfrm>
-          <a:off x="0" y="0"/>
-          <a:ext cx="0" cy="0"/>
-          <a:chOff x="0" y="0"/>
-          <a:chExt cx="0" cy="0"/>
-        </a:xfrm>
-      </p:grpSpPr>
-      <p:sp>
-        <p:nvSpPr>
-          <p:cNvPr id="3" name="Content Placeholder 2"/>
-          <p:cNvSpPr>
-            <a:spLocks noGrp="1"/>
-          </p:cNvSpPr>
-          <p:nvPr>
-            <p:ph idx="1"/>
-          </p:nvPr>
-        </p:nvSpPr>
-        <p:spPr>
-          <a:xfrm>
-            <a:off x="2129246" y="209006"/>
-            <a:ext cx="9718764" cy="6413863"/>
-          </a:xfrm>
-        </p:spPr>
-        <p:txBody>
-          <a:bodyPr/>
-          <a:lstStyle/>
-          <a:p>
-            <a:r>
-              <a:rPr lang="pt-BR" dirty="0" smtClean="0"/>
-              <a:t>Onde se sai melhor</a:t>
-            </a:r>
-          </a:p>
-          <a:p>
-            <a:endParaRPr lang="pt-BR" dirty="0"/>
-          </a:p>
-          <a:p>
-            <a:endParaRPr lang="pt-BR" dirty="0" smtClean="0"/>
-          </a:p>
-          <a:p>
-            <a:pPr marL="0" indent="0">
-              <a:buNone/>
-            </a:pPr>
-            <a:endParaRPr lang="pt-BR" dirty="0" smtClean="0"/>
-          </a:p>
-          <a:p>
-            <a:pPr marL="0" indent="0">
-              <a:buNone/>
-            </a:pPr>
-            <a:endParaRPr lang="pt-BR" dirty="0" smtClean="0"/>
-          </a:p>
-          <a:p>
-            <a:endParaRPr lang="pt-BR" dirty="0"/>
-          </a:p>
-          <a:p>
-            <a:r>
-              <a:rPr lang="pt-BR" dirty="0" smtClean="0"/>
-              <a:t>Precisão </a:t>
-            </a:r>
-            <a:r>
-              <a:rPr lang="pt-BR" dirty="0" err="1" smtClean="0"/>
-              <a:t>vs</a:t>
-            </a:r>
-            <a:r>
-              <a:rPr lang="pt-BR" dirty="0" smtClean="0"/>
-              <a:t> Custo computacional</a:t>
-            </a:r>
-            <a:endParaRPr lang="pt-BR" dirty="0"/>
-          </a:p>
-        </p:txBody>
-      </p:sp>
-    </p:spTree>
-    <p:extLst>
-      <p:ext uri="{BB962C8B-B14F-4D97-AF65-F5344CB8AC3E}">
-        <p14:creationId xmlns:p14="http://schemas.microsoft.com/office/powerpoint/2010/main" val="1997277738"/>
-      </p:ext>
-    </p:extLst>
-  </p:cSld>
-  <p:clrMapOvr>
-    <a:masterClrMapping/>
-  </p:clrMapOvr>
-  <p:timing>
-    <p:tnLst>
-      <p:par>
-        <p:cTn id="1" dur="indefinite" restart="never" nodeType="tmRoot"/>
-      </p:par>
-    </p:tnLst>
-  </p:timing>
-</p:sld>
-</file>
-
 <file path=ppt/slides/slide2.xml><?xml version="1.0" encoding="utf-8"?>
 <p:sld xmlns:a="http://schemas.openxmlformats.org/drawingml/2006/main" xmlns:r="http://schemas.openxmlformats.org/officeDocument/2006/relationships" xmlns:p="http://schemas.openxmlformats.org/presentationml/2006/main">
   <p:cSld>
@@ -15268,9 +15016,16 @@
             <p:ph idx="1"/>
           </p:nvPr>
         </p:nvSpPr>
-        <p:spPr/>
+        <p:spPr>
+          <a:xfrm>
+            <a:off x="2589212" y="2090057"/>
+            <a:ext cx="8915400" cy="3821165"/>
+          </a:xfrm>
+        </p:spPr>
         <p:txBody>
-          <a:bodyPr/>
+          <a:bodyPr>
+            <a:normAutofit fontScale="92500" lnSpcReduction="10000"/>
+          </a:bodyPr>
           <a:lstStyle/>
           <a:p>
             <a:r>
@@ -15296,7 +15051,25 @@
             <a:pPr lvl="1"/>
             <a:r>
               <a:rPr lang="pt-BR" dirty="0" smtClean="0"/>
-              <a:t>Quando tempo computacional não e essencial</a:t>
+              <a:t>Quando tempo computacional não e </a:t>
+            </a:r>
+            <a:r>
+              <a:rPr lang="pt-BR" dirty="0" smtClean="0"/>
+              <a:t>essencial</a:t>
+            </a:r>
+          </a:p>
+          <a:p>
+            <a:pPr lvl="1"/>
+            <a:r>
+              <a:rPr lang="pt-BR" dirty="0" smtClean="0"/>
+              <a:t>Quando não e possível um processamento analógico</a:t>
+            </a:r>
+          </a:p>
+          <a:p>
+            <a:pPr lvl="1"/>
+            <a:r>
+              <a:rPr lang="pt-BR" dirty="0" smtClean="0"/>
+              <a:t>Quando e possível paralelizar a operação</a:t>
             </a:r>
             <a:endParaRPr lang="pt-BR" dirty="0"/>
           </a:p>
@@ -15417,15 +15190,13 @@
           <a:p>
             <a:r>
               <a:rPr lang="pt-BR" dirty="0" smtClean="0"/>
-              <a:t>Somatório de Barras</a:t>
+              <a:t>Somatório de </a:t>
             </a:r>
-          </a:p>
-          <a:p>
             <a:r>
               <a:rPr lang="pt-BR" dirty="0" smtClean="0"/>
-              <a:t>Método de Predição</a:t>
+              <a:t>Barras</a:t>
             </a:r>
-            <a:endParaRPr lang="pt-BR" dirty="0"/>
+            <a:endParaRPr lang="pt-BR" dirty="0" smtClean="0"/>
           </a:p>
         </p:txBody>
       </p:sp>
@@ -15506,17 +15277,67 @@
           <a:p>
             <a:r>
               <a:rPr lang="pt-BR" dirty="0" smtClean="0"/>
-              <a:t>Como Funciona</a:t>
+              <a:t>Como </a:t>
+            </a:r>
+            <a:r>
+              <a:rPr lang="pt-BR" dirty="0" smtClean="0"/>
+              <a:t>Funciona</a:t>
+            </a:r>
+          </a:p>
+          <a:p>
+            <a:pPr lvl="1"/>
+            <a:r>
+              <a:rPr lang="pt-BR" dirty="0" smtClean="0"/>
+              <a:t>Consiste </a:t>
+            </a:r>
+            <a:r>
+              <a:rPr lang="pt-BR" dirty="0" smtClean="0"/>
+              <a:t>em determinar um trapézio entre dois pontos consecutivos e depois fazer o somatório da área de todos os </a:t>
+            </a:r>
+            <a:r>
+              <a:rPr lang="pt-BR" dirty="0" smtClean="0"/>
+              <a:t>trapézios</a:t>
             </a:r>
           </a:p>
           <a:p>
             <a:pPr marL="0" indent="0">
               <a:buNone/>
             </a:pPr>
+            <a:endParaRPr lang="pt-BR" dirty="0"/>
+          </a:p>
+          <a:p>
+            <a:r>
+              <a:rPr lang="pt-BR" dirty="0"/>
+              <a:t>Onde se sai melhor</a:t>
+            </a:r>
+          </a:p>
+          <a:p>
+            <a:pPr lvl="1"/>
+            <a:r>
+              <a:rPr lang="pt-BR" dirty="0"/>
+              <a:t>Em sinais não </a:t>
+            </a:r>
             <a:r>
               <a:rPr lang="pt-BR" dirty="0" smtClean="0"/>
-              <a:t>	Consiste em determinar um trapézio entre dois pontos consecutivos e depois fazer o somatório da área de todos os trapézios</a:t>
+              <a:t>periódicas</a:t>
             </a:r>
+          </a:p>
+          <a:p>
+            <a:pPr lvl="1"/>
+            <a:r>
+              <a:rPr lang="pt-BR" dirty="0" smtClean="0"/>
+              <a:t>Em sinais cuja a aproximação por sub retas setas se sai melhor, ou seja em caso onde a derivada segunda muda de forma suave</a:t>
+            </a:r>
+          </a:p>
+          <a:p>
+            <a:pPr lvl="1"/>
+            <a:endParaRPr lang="pt-BR" dirty="0"/>
+          </a:p>
+          <a:p>
+            <a:pPr marL="0" indent="0">
+              <a:buNone/>
+            </a:pPr>
+            <a:endParaRPr lang="pt-BR" dirty="0" smtClean="0"/>
           </a:p>
           <a:p>
             <a:endParaRPr lang="pt-BR" dirty="0"/>
@@ -15659,106 +15480,6 @@
       </p:grpSpPr>
       <p:sp>
         <p:nvSpPr>
-          <p:cNvPr id="3" name="Content Placeholder 2"/>
-          <p:cNvSpPr>
-            <a:spLocks noGrp="1"/>
-          </p:cNvSpPr>
-          <p:nvPr>
-            <p:ph idx="1"/>
-          </p:nvPr>
-        </p:nvSpPr>
-        <p:spPr>
-          <a:xfrm>
-            <a:off x="2129246" y="209006"/>
-            <a:ext cx="9718764" cy="6413863"/>
-          </a:xfrm>
-        </p:spPr>
-        <p:txBody>
-          <a:bodyPr/>
-          <a:lstStyle/>
-          <a:p>
-            <a:r>
-              <a:rPr lang="pt-BR" dirty="0" smtClean="0"/>
-              <a:t>Onde se sai melhor</a:t>
-            </a:r>
-          </a:p>
-          <a:p>
-            <a:endParaRPr lang="pt-BR" dirty="0"/>
-          </a:p>
-          <a:p>
-            <a:endParaRPr lang="pt-BR" dirty="0" smtClean="0"/>
-          </a:p>
-          <a:p>
-            <a:pPr marL="0" indent="0">
-              <a:buNone/>
-            </a:pPr>
-            <a:endParaRPr lang="pt-BR" dirty="0" smtClean="0"/>
-          </a:p>
-          <a:p>
-            <a:pPr marL="0" indent="0">
-              <a:buNone/>
-            </a:pPr>
-            <a:endParaRPr lang="pt-BR" dirty="0" smtClean="0"/>
-          </a:p>
-          <a:p>
-            <a:endParaRPr lang="pt-BR" dirty="0"/>
-          </a:p>
-          <a:p>
-            <a:r>
-              <a:rPr lang="pt-BR" dirty="0" smtClean="0"/>
-              <a:t>Precisão </a:t>
-            </a:r>
-            <a:r>
-              <a:rPr lang="pt-BR" dirty="0" err="1" smtClean="0"/>
-              <a:t>vs</a:t>
-            </a:r>
-            <a:r>
-              <a:rPr lang="pt-BR" dirty="0" smtClean="0"/>
-              <a:t> Custo computacional</a:t>
-            </a:r>
-            <a:endParaRPr lang="pt-BR" dirty="0"/>
-          </a:p>
-        </p:txBody>
-      </p:sp>
-    </p:spTree>
-    <p:extLst>
-      <p:ext uri="{BB962C8B-B14F-4D97-AF65-F5344CB8AC3E}">
-        <p14:creationId xmlns:p14="http://schemas.microsoft.com/office/powerpoint/2010/main" val="1250242054"/>
-      </p:ext>
-    </p:extLst>
-  </p:cSld>
-  <p:clrMapOvr>
-    <a:masterClrMapping/>
-  </p:clrMapOvr>
-  <p:timing>
-    <p:tnLst>
-      <p:par>
-        <p:cTn id="1" dur="indefinite" restart="never" nodeType="tmRoot"/>
-      </p:par>
-    </p:tnLst>
-  </p:timing>
-</p:sld>
-</file>
-
-<file path=ppt/slides/slide7.xml><?xml version="1.0" encoding="utf-8"?>
-<p:sld xmlns:a="http://schemas.openxmlformats.org/drawingml/2006/main" xmlns:r="http://schemas.openxmlformats.org/officeDocument/2006/relationships" xmlns:p="http://schemas.openxmlformats.org/presentationml/2006/main">
-  <p:cSld>
-    <p:spTree>
-      <p:nvGrpSpPr>
-        <p:cNvPr id="1" name=""/>
-        <p:cNvGrpSpPr/>
-        <p:nvPr/>
-      </p:nvGrpSpPr>
-      <p:grpSpPr>
-        <a:xfrm>
-          <a:off x="0" y="0"/>
-          <a:ext cx="0" cy="0"/>
-          <a:chOff x="0" y="0"/>
-          <a:chExt cx="0" cy="0"/>
-        </a:xfrm>
-      </p:grpSpPr>
-      <p:sp>
-        <p:nvSpPr>
           <p:cNvPr id="2" name="Title 1"/>
           <p:cNvSpPr>
             <a:spLocks noGrp="1"/>
@@ -15773,12 +15494,12 @@
           <a:lstStyle/>
           <a:p>
             <a:r>
-              <a:rPr lang="pt-BR" dirty="0" err="1" smtClean="0"/>
-              <a:t>Somatorio</a:t>
+              <a:rPr lang="pt-BR" dirty="0" smtClean="0"/>
+              <a:t>Somatório </a:t>
             </a:r>
             <a:r>
               <a:rPr lang="pt-BR" dirty="0" smtClean="0"/>
-              <a:t> de Barras</a:t>
+              <a:t>de Barras</a:t>
             </a:r>
             <a:endParaRPr lang="pt-BR" dirty="0"/>
           </a:p>
@@ -15801,10 +15522,54 @@
           <a:p>
             <a:r>
               <a:rPr lang="pt-BR" dirty="0" smtClean="0"/>
-              <a:t>Como Funciona</a:t>
+              <a:t>Como </a:t>
             </a:r>
-          </a:p>
-          <a:p>
+            <a:r>
+              <a:rPr lang="pt-BR" dirty="0" smtClean="0"/>
+              <a:t>Funciona</a:t>
+            </a:r>
+          </a:p>
+          <a:p>
+            <a:pPr lvl="1"/>
+            <a:r>
+              <a:rPr lang="pt-BR" dirty="0" smtClean="0"/>
+              <a:t>Por valor do menor.</a:t>
+            </a:r>
+          </a:p>
+          <a:p>
+            <a:pPr lvl="1"/>
+            <a:r>
+              <a:rPr lang="pt-BR" dirty="0" smtClean="0"/>
+              <a:t>Por valor médio.</a:t>
+            </a:r>
+            <a:endParaRPr lang="pt-BR" dirty="0" smtClean="0"/>
+          </a:p>
+          <a:p>
+            <a:endParaRPr lang="pt-BR" dirty="0" smtClean="0"/>
+          </a:p>
+          <a:p>
+            <a:r>
+              <a:rPr lang="pt-BR" dirty="0" smtClean="0"/>
+              <a:t>Onde se sai melhor</a:t>
+            </a:r>
+          </a:p>
+          <a:p>
+            <a:pPr lvl="1"/>
+            <a:r>
+              <a:rPr lang="pt-BR" dirty="0" smtClean="0"/>
+              <a:t>Funções periódicas</a:t>
+            </a:r>
+          </a:p>
+          <a:p>
+            <a:pPr lvl="1"/>
+            <a:r>
+              <a:rPr lang="pt-BR" dirty="0" smtClean="0"/>
+              <a:t>Funções de Mudança suave onde a derivada segund</a:t>
+            </a:r>
+            <a:r>
+              <a:rPr lang="pt-BR" dirty="0" smtClean="0"/>
+              <a:t>a e pequena.</a:t>
+            </a:r>
             <a:endParaRPr lang="pt-BR" dirty="0"/>
           </a:p>
         </p:txBody>
@@ -15829,7 +15594,7 @@
 </p:sld>
 </file>
 
-<file path=ppt/slides/slide8.xml><?xml version="1.0" encoding="utf-8"?>
+<file path=ppt/slides/slide7.xml><?xml version="1.0" encoding="utf-8"?>
 <p:sld xmlns:a="http://schemas.openxmlformats.org/drawingml/2006/main" xmlns:r="http://schemas.openxmlformats.org/officeDocument/2006/relationships" xmlns:p="http://schemas.openxmlformats.org/presentationml/2006/main">
   <p:cSld>
     <p:spTree>
@@ -15910,106 +15675,6 @@
     <p:extLst>
       <p:ext uri="{BB962C8B-B14F-4D97-AF65-F5344CB8AC3E}">
         <p14:creationId xmlns:p14="http://schemas.microsoft.com/office/powerpoint/2010/main" val="194804004"/>
-      </p:ext>
-    </p:extLst>
-  </p:cSld>
-  <p:clrMapOvr>
-    <a:masterClrMapping/>
-  </p:clrMapOvr>
-  <p:timing>
-    <p:tnLst>
-      <p:par>
-        <p:cTn id="1" dur="indefinite" restart="never" nodeType="tmRoot"/>
-      </p:par>
-    </p:tnLst>
-  </p:timing>
-</p:sld>
-</file>
-
-<file path=ppt/slides/slide9.xml><?xml version="1.0" encoding="utf-8"?>
-<p:sld xmlns:a="http://schemas.openxmlformats.org/drawingml/2006/main" xmlns:r="http://schemas.openxmlformats.org/officeDocument/2006/relationships" xmlns:p="http://schemas.openxmlformats.org/presentationml/2006/main">
-  <p:cSld>
-    <p:spTree>
-      <p:nvGrpSpPr>
-        <p:cNvPr id="1" name=""/>
-        <p:cNvGrpSpPr/>
-        <p:nvPr/>
-      </p:nvGrpSpPr>
-      <p:grpSpPr>
-        <a:xfrm>
-          <a:off x="0" y="0"/>
-          <a:ext cx="0" cy="0"/>
-          <a:chOff x="0" y="0"/>
-          <a:chExt cx="0" cy="0"/>
-        </a:xfrm>
-      </p:grpSpPr>
-      <p:sp>
-        <p:nvSpPr>
-          <p:cNvPr id="3" name="Content Placeholder 2"/>
-          <p:cNvSpPr>
-            <a:spLocks noGrp="1"/>
-          </p:cNvSpPr>
-          <p:nvPr>
-            <p:ph idx="1"/>
-          </p:nvPr>
-        </p:nvSpPr>
-        <p:spPr>
-          <a:xfrm>
-            <a:off x="2129246" y="209006"/>
-            <a:ext cx="9718764" cy="6413863"/>
-          </a:xfrm>
-        </p:spPr>
-        <p:txBody>
-          <a:bodyPr/>
-          <a:lstStyle/>
-          <a:p>
-            <a:r>
-              <a:rPr lang="pt-BR" dirty="0" smtClean="0"/>
-              <a:t>Onde se sai melhor</a:t>
-            </a:r>
-          </a:p>
-          <a:p>
-            <a:endParaRPr lang="pt-BR" dirty="0"/>
-          </a:p>
-          <a:p>
-            <a:endParaRPr lang="pt-BR" dirty="0" smtClean="0"/>
-          </a:p>
-          <a:p>
-            <a:pPr marL="0" indent="0">
-              <a:buNone/>
-            </a:pPr>
-            <a:endParaRPr lang="pt-BR" dirty="0" smtClean="0"/>
-          </a:p>
-          <a:p>
-            <a:pPr marL="0" indent="0">
-              <a:buNone/>
-            </a:pPr>
-            <a:endParaRPr lang="pt-BR" dirty="0" smtClean="0"/>
-          </a:p>
-          <a:p>
-            <a:endParaRPr lang="pt-BR" dirty="0"/>
-          </a:p>
-          <a:p>
-            <a:r>
-              <a:rPr lang="pt-BR" dirty="0" smtClean="0"/>
-              <a:t>Precisão </a:t>
-            </a:r>
-            <a:r>
-              <a:rPr lang="pt-BR" dirty="0" err="1" smtClean="0"/>
-              <a:t>vs</a:t>
-            </a:r>
-            <a:r>
-              <a:rPr lang="pt-BR" dirty="0" smtClean="0"/>
-              <a:t> Custo computacional</a:t>
-            </a:r>
-            <a:endParaRPr lang="pt-BR" dirty="0"/>
-          </a:p>
-        </p:txBody>
-      </p:sp>
-    </p:spTree>
-    <p:extLst>
-      <p:ext uri="{BB962C8B-B14F-4D97-AF65-F5344CB8AC3E}">
-        <p14:creationId xmlns:p14="http://schemas.microsoft.com/office/powerpoint/2010/main" val="2321780701"/>
       </p:ext>
     </p:extLst>
   </p:cSld>
